--- a/Day1/1b_Simple/ADMB_approach_syntax.pptx
+++ b/Day1/1b_Simple/ADMB_approach_syntax.pptx
@@ -27,6 +27,8 @@
     <p:sldId id="276" r:id="rId21"/>
     <p:sldId id="277" r:id="rId22"/>
     <p:sldId id="278" r:id="rId23"/>
+    <p:sldId id="279" r:id="rId24"/>
+    <p:sldId id="280" r:id="rId25"/>
   </p:sldIdLst>
   <p:sldSz cx="12192000" cy="6858000"/>
   <p:notesSz cx="6858000" cy="9144000"/>
@@ -284,7 +286,7 @@
           <a:p>
             <a:fld id="{6568DBDC-361A-432B-AEF1-53427BEFAB47}" type="datetimeFigureOut">
               <a:rPr lang="en-US" smtClean="0"/>
-              <a:t>3/8/2018</a:t>
+              <a:t>3/12/2018</a:t>
             </a:fld>
             <a:endParaRPr lang="en-US"/>
           </a:p>
@@ -482,7 +484,7 @@
           <a:p>
             <a:fld id="{6568DBDC-361A-432B-AEF1-53427BEFAB47}" type="datetimeFigureOut">
               <a:rPr lang="en-US" smtClean="0"/>
-              <a:t>3/8/2018</a:t>
+              <a:t>3/12/2018</a:t>
             </a:fld>
             <a:endParaRPr lang="en-US"/>
           </a:p>
@@ -690,7 +692,7 @@
           <a:p>
             <a:fld id="{6568DBDC-361A-432B-AEF1-53427BEFAB47}" type="datetimeFigureOut">
               <a:rPr lang="en-US" smtClean="0"/>
-              <a:t>3/8/2018</a:t>
+              <a:t>3/12/2018</a:t>
             </a:fld>
             <a:endParaRPr lang="en-US"/>
           </a:p>
@@ -927,7 +929,7 @@
             <a:fld id="{6568DBDC-361A-432B-AEF1-53427BEFAB47}" type="datetimeFigureOut">
               <a:rPr lang="en-US" smtClean="0"/>
               <a:pPr/>
-              <a:t>3/8/2018</a:t>
+              <a:t>3/12/2018</a:t>
             </a:fld>
             <a:endParaRPr lang="en-US"/>
           </a:p>
@@ -1215,7 +1217,7 @@
           <a:p>
             <a:fld id="{6568DBDC-361A-432B-AEF1-53427BEFAB47}" type="datetimeFigureOut">
               <a:rPr lang="en-US" smtClean="0"/>
-              <a:t>3/8/2018</a:t>
+              <a:t>3/12/2018</a:t>
             </a:fld>
             <a:endParaRPr lang="en-US"/>
           </a:p>
@@ -1480,7 +1482,7 @@
           <a:p>
             <a:fld id="{6568DBDC-361A-432B-AEF1-53427BEFAB47}" type="datetimeFigureOut">
               <a:rPr lang="en-US" smtClean="0"/>
-              <a:t>3/8/2018</a:t>
+              <a:t>3/12/2018</a:t>
             </a:fld>
             <a:endParaRPr lang="en-US"/>
           </a:p>
@@ -1892,7 +1894,7 @@
           <a:p>
             <a:fld id="{6568DBDC-361A-432B-AEF1-53427BEFAB47}" type="datetimeFigureOut">
               <a:rPr lang="en-US" smtClean="0"/>
-              <a:t>3/8/2018</a:t>
+              <a:t>3/12/2018</a:t>
             </a:fld>
             <a:endParaRPr lang="en-US"/>
           </a:p>
@@ -2033,7 +2035,7 @@
           <a:p>
             <a:fld id="{6568DBDC-361A-432B-AEF1-53427BEFAB47}" type="datetimeFigureOut">
               <a:rPr lang="en-US" smtClean="0"/>
-              <a:t>3/8/2018</a:t>
+              <a:t>3/12/2018</a:t>
             </a:fld>
             <a:endParaRPr lang="en-US"/>
           </a:p>
@@ -2146,7 +2148,7 @@
           <a:p>
             <a:fld id="{6568DBDC-361A-432B-AEF1-53427BEFAB47}" type="datetimeFigureOut">
               <a:rPr lang="en-US" smtClean="0"/>
-              <a:t>3/8/2018</a:t>
+              <a:t>3/12/2018</a:t>
             </a:fld>
             <a:endParaRPr lang="en-US"/>
           </a:p>
@@ -2457,7 +2459,7 @@
           <a:p>
             <a:fld id="{6568DBDC-361A-432B-AEF1-53427BEFAB47}" type="datetimeFigureOut">
               <a:rPr lang="en-US" smtClean="0"/>
-              <a:t>3/8/2018</a:t>
+              <a:t>3/12/2018</a:t>
             </a:fld>
             <a:endParaRPr lang="en-US"/>
           </a:p>
@@ -2745,7 +2747,7 @@
           <a:p>
             <a:fld id="{6568DBDC-361A-432B-AEF1-53427BEFAB47}" type="datetimeFigureOut">
               <a:rPr lang="en-US" smtClean="0"/>
-              <a:t>3/8/2018</a:t>
+              <a:t>3/12/2018</a:t>
             </a:fld>
             <a:endParaRPr lang="en-US"/>
           </a:p>
@@ -2986,7 +2988,7 @@
           <a:p>
             <a:fld id="{6568DBDC-361A-432B-AEF1-53427BEFAB47}" type="datetimeFigureOut">
               <a:rPr lang="en-US" smtClean="0"/>
-              <a:t>3/8/2018</a:t>
+              <a:t>3/12/2018</a:t>
             </a:fld>
             <a:endParaRPr lang="en-US"/>
           </a:p>
@@ -5639,6 +5641,538 @@
     <p:extLst>
       <p:ext uri="{BB962C8B-B14F-4D97-AF65-F5344CB8AC3E}">
         <p14:creationId xmlns:p14="http://schemas.microsoft.com/office/powerpoint/2010/main" val="2255440872"/>
+      </p:ext>
+    </p:extLst>
+  </p:cSld>
+  <p:clrMapOvr>
+    <a:masterClrMapping/>
+  </p:clrMapOvr>
+</p:sld>
+</file>
+
+<file path=ppt/slides/slide23.xml><?xml version="1.0" encoding="utf-8"?>
+<p:sld xmlns:a="http://schemas.openxmlformats.org/drawingml/2006/main" xmlns:r="http://schemas.openxmlformats.org/officeDocument/2006/relationships" xmlns:p="http://schemas.openxmlformats.org/presentationml/2006/main">
+  <p:cSld>
+    <p:spTree>
+      <p:nvGrpSpPr>
+        <p:cNvPr id="1" name=""/>
+        <p:cNvGrpSpPr/>
+        <p:nvPr/>
+      </p:nvGrpSpPr>
+      <p:grpSpPr>
+        <a:xfrm>
+          <a:off x="0" y="0"/>
+          <a:ext cx="0" cy="0"/>
+          <a:chOff x="0" y="0"/>
+          <a:chExt cx="0" cy="0"/>
+        </a:xfrm>
+      </p:grpSpPr>
+      <p:sp>
+        <p:nvSpPr>
+          <p:cNvPr id="2" name="Title 1">
+            <a:extLst>
+              <a:ext uri="{FF2B5EF4-FFF2-40B4-BE49-F238E27FC236}">
+                <a16:creationId xmlns:a16="http://schemas.microsoft.com/office/drawing/2014/main" id="{76110376-C0FF-4ED6-9BB0-CAA3D3F94401}"/>
+              </a:ext>
+            </a:extLst>
+          </p:cNvPr>
+          <p:cNvSpPr>
+            <a:spLocks noGrp="1"/>
+          </p:cNvSpPr>
+          <p:nvPr>
+            <p:ph type="title"/>
+          </p:nvPr>
+        </p:nvSpPr>
+        <p:spPr/>
+        <p:txBody>
+          <a:bodyPr/>
+          <a:lstStyle/>
+          <a:p>
+            <a:r>
+              <a:rPr lang="en-US" dirty="0"/>
+              <a:t>Other sections</a:t>
+            </a:r>
+          </a:p>
+        </p:txBody>
+      </p:sp>
+      <p:sp>
+        <p:nvSpPr>
+          <p:cNvPr id="3" name="Content Placeholder 2">
+            <a:extLst>
+              <a:ext uri="{FF2B5EF4-FFF2-40B4-BE49-F238E27FC236}">
+                <a16:creationId xmlns:a16="http://schemas.microsoft.com/office/drawing/2014/main" id="{9805B4AB-A77F-435C-BD9E-4624B3C0B051}"/>
+              </a:ext>
+            </a:extLst>
+          </p:cNvPr>
+          <p:cNvSpPr>
+            <a:spLocks noGrp="1"/>
+          </p:cNvSpPr>
+          <p:nvPr>
+            <p:ph idx="1"/>
+          </p:nvPr>
+        </p:nvSpPr>
+        <p:spPr/>
+        <p:txBody>
+          <a:bodyPr>
+            <a:normAutofit fontScale="92500" lnSpcReduction="10000"/>
+          </a:bodyPr>
+          <a:lstStyle/>
+          <a:p>
+            <a:pPr marL="0" indent="0">
+              <a:buNone/>
+            </a:pPr>
+            <a:r>
+              <a:rPr lang="en-US" dirty="0"/>
+              <a:t>FUNCTION</a:t>
+            </a:r>
+          </a:p>
+          <a:p>
+            <a:r>
+              <a:rPr lang="en-US" dirty="0"/>
+              <a:t>Used to break up code within the PROCEDURE_SECTION in distinct parts</a:t>
+            </a:r>
+          </a:p>
+          <a:p>
+            <a:r>
+              <a:rPr lang="en-US" dirty="0"/>
+              <a:t>Similar to functions in R</a:t>
+            </a:r>
+          </a:p>
+          <a:p>
+            <a:pPr marL="0" indent="0">
+              <a:buNone/>
+            </a:pPr>
+            <a:r>
+              <a:rPr lang="en-US" dirty="0"/>
+              <a:t>TOP_OF_MAIN_SECTION</a:t>
+            </a:r>
+          </a:p>
+          <a:p>
+            <a:r>
+              <a:rPr lang="en-US" dirty="0"/>
+              <a:t>Settings</a:t>
+            </a:r>
+          </a:p>
+          <a:p>
+            <a:pPr marL="0" indent="0">
+              <a:buNone/>
+            </a:pPr>
+            <a:r>
+              <a:rPr lang="en-US" dirty="0"/>
+              <a:t>GLOBALS_SECTION</a:t>
+            </a:r>
+          </a:p>
+          <a:p>
+            <a:r>
+              <a:rPr lang="en-US" dirty="0"/>
+              <a:t>Define libraries, globally-defined variables (e.g. time)</a:t>
+            </a:r>
+          </a:p>
+          <a:p>
+            <a:pPr marL="0" indent="0">
+              <a:buNone/>
+            </a:pPr>
+            <a:r>
+              <a:rPr lang="en-US" dirty="0"/>
+              <a:t>FINAL_SECTION</a:t>
+            </a:r>
+          </a:p>
+          <a:p>
+            <a:r>
+              <a:rPr lang="en-US" dirty="0"/>
+              <a:t>Calculate elapsed time of program to run</a:t>
+            </a:r>
+          </a:p>
+        </p:txBody>
+      </p:sp>
+    </p:spTree>
+    <p:extLst>
+      <p:ext uri="{BB962C8B-B14F-4D97-AF65-F5344CB8AC3E}">
+        <p14:creationId xmlns:p14="http://schemas.microsoft.com/office/powerpoint/2010/main" val="2878350540"/>
+      </p:ext>
+    </p:extLst>
+  </p:cSld>
+  <p:clrMapOvr>
+    <a:masterClrMapping/>
+  </p:clrMapOvr>
+</p:sld>
+</file>
+
+<file path=ppt/slides/slide24.xml><?xml version="1.0" encoding="utf-8"?>
+<p:sld xmlns:a="http://schemas.openxmlformats.org/drawingml/2006/main" xmlns:r="http://schemas.openxmlformats.org/officeDocument/2006/relationships" xmlns:p="http://schemas.openxmlformats.org/presentationml/2006/main">
+  <p:cSld>
+    <p:spTree>
+      <p:nvGrpSpPr>
+        <p:cNvPr id="1" name=""/>
+        <p:cNvGrpSpPr/>
+        <p:nvPr/>
+      </p:nvGrpSpPr>
+      <p:grpSpPr>
+        <a:xfrm>
+          <a:off x="0" y="0"/>
+          <a:ext cx="0" cy="0"/>
+          <a:chOff x="0" y="0"/>
+          <a:chExt cx="0" cy="0"/>
+        </a:xfrm>
+      </p:grpSpPr>
+      <p:sp>
+        <p:nvSpPr>
+          <p:cNvPr id="2" name="Title 1">
+            <a:extLst>
+              <a:ext uri="{FF2B5EF4-FFF2-40B4-BE49-F238E27FC236}">
+                <a16:creationId xmlns:a16="http://schemas.microsoft.com/office/drawing/2014/main" id="{7CC132C6-4DFF-4E94-B50E-113A18E93C0B}"/>
+              </a:ext>
+            </a:extLst>
+          </p:cNvPr>
+          <p:cNvSpPr>
+            <a:spLocks noGrp="1"/>
+          </p:cNvSpPr>
+          <p:nvPr>
+            <p:ph type="title"/>
+          </p:nvPr>
+        </p:nvSpPr>
+        <p:spPr/>
+        <p:txBody>
+          <a:bodyPr/>
+          <a:lstStyle/>
+          <a:p>
+            <a:r>
+              <a:rPr lang="en-US" dirty="0"/>
+              <a:t>Extracting parts of vectors and matrices</a:t>
+            </a:r>
+          </a:p>
+        </p:txBody>
+      </p:sp>
+      <p:sp>
+        <p:nvSpPr>
+          <p:cNvPr id="3" name="Content Placeholder 2">
+            <a:extLst>
+              <a:ext uri="{FF2B5EF4-FFF2-40B4-BE49-F238E27FC236}">
+                <a16:creationId xmlns:a16="http://schemas.microsoft.com/office/drawing/2014/main" id="{AFE87E15-5076-4DE2-9552-85463B58B92C}"/>
+              </a:ext>
+            </a:extLst>
+          </p:cNvPr>
+          <p:cNvSpPr>
+            <a:spLocks noGrp="1"/>
+          </p:cNvSpPr>
+          <p:nvPr>
+            <p:ph idx="1"/>
+          </p:nvPr>
+        </p:nvSpPr>
+        <p:spPr>
+          <a:xfrm>
+            <a:off x="838200" y="1825625"/>
+            <a:ext cx="5562600" cy="4351338"/>
+          </a:xfrm>
+        </p:spPr>
+        <p:txBody>
+          <a:bodyPr>
+            <a:normAutofit fontScale="92500" lnSpcReduction="20000"/>
+          </a:bodyPr>
+          <a:lstStyle/>
+          <a:p>
+            <a:pPr marL="0" indent="0">
+              <a:buNone/>
+            </a:pPr>
+            <a:r>
+              <a:rPr lang="en-US" dirty="0"/>
+              <a:t>v(2)			vector element</a:t>
+            </a:r>
+          </a:p>
+          <a:p>
+            <a:pPr marL="0" indent="0">
+              <a:buNone/>
+            </a:pPr>
+            <a:r>
+              <a:rPr lang="en-US" dirty="0"/>
+              <a:t>M(5,2)		matrix element</a:t>
+            </a:r>
+          </a:p>
+          <a:p>
+            <a:pPr marL="0" indent="0">
+              <a:buNone/>
+            </a:pPr>
+            <a:endParaRPr lang="en-US" dirty="0"/>
+          </a:p>
+          <a:p>
+            <a:pPr marL="0" indent="0">
+              <a:buNone/>
+            </a:pPr>
+            <a:r>
+              <a:rPr lang="en-US" dirty="0" err="1"/>
+              <a:t>v.sub</a:t>
+            </a:r>
+            <a:r>
+              <a:rPr lang="en-US" dirty="0"/>
+              <a:t>(2,5)		vector elements</a:t>
+            </a:r>
+          </a:p>
+          <a:p>
+            <a:pPr marL="0" indent="0">
+              <a:buNone/>
+            </a:pPr>
+            <a:endParaRPr lang="en-US" dirty="0"/>
+          </a:p>
+          <a:p>
+            <a:pPr marL="0" indent="0">
+              <a:buNone/>
+            </a:pPr>
+            <a:r>
+              <a:rPr lang="en-US" dirty="0"/>
+              <a:t>row(M,5)		one row</a:t>
+            </a:r>
+          </a:p>
+          <a:p>
+            <a:pPr marL="0" indent="0">
+              <a:buNone/>
+            </a:pPr>
+            <a:r>
+              <a:rPr lang="en-US" dirty="0"/>
+              <a:t>column(M,2)	one column</a:t>
+            </a:r>
+          </a:p>
+          <a:p>
+            <a:pPr marL="0" indent="0">
+              <a:buNone/>
+            </a:pPr>
+            <a:endParaRPr lang="en-US" dirty="0"/>
+          </a:p>
+          <a:p>
+            <a:pPr marL="0" indent="0">
+              <a:buNone/>
+            </a:pPr>
+            <a:r>
+              <a:rPr lang="en-US" dirty="0" err="1"/>
+              <a:t>M.sub</a:t>
+            </a:r>
+            <a:r>
+              <a:rPr lang="en-US" dirty="0"/>
+              <a:t>(2,5)		several rows</a:t>
+            </a:r>
+          </a:p>
+          <a:p>
+            <a:pPr marL="0" indent="0">
+              <a:buNone/>
+            </a:pPr>
+            <a:r>
+              <a:rPr lang="en-US" dirty="0"/>
+              <a:t>trans(M).sub(2,5)	several columns</a:t>
+            </a:r>
+          </a:p>
+        </p:txBody>
+      </p:sp>
+      <p:sp>
+        <p:nvSpPr>
+          <p:cNvPr id="4" name="Content Placeholder 2">
+            <a:extLst>
+              <a:ext uri="{FF2B5EF4-FFF2-40B4-BE49-F238E27FC236}">
+                <a16:creationId xmlns:a16="http://schemas.microsoft.com/office/drawing/2014/main" id="{AE842545-477D-4B27-8892-71B1C4C5FDBD}"/>
+              </a:ext>
+            </a:extLst>
+          </p:cNvPr>
+          <p:cNvSpPr txBox="1">
+            <a:spLocks/>
+          </p:cNvSpPr>
+          <p:nvPr/>
+        </p:nvSpPr>
+        <p:spPr>
+          <a:xfrm>
+            <a:off x="6749716" y="1690688"/>
+            <a:ext cx="4880810" cy="4351338"/>
+          </a:xfrm>
+          <a:prstGeom prst="rect">
+            <a:avLst/>
+          </a:prstGeom>
+        </p:spPr>
+        <p:txBody>
+          <a:bodyPr vert="horz" lIns="91440" tIns="45720" rIns="91440" bIns="45720" rtlCol="0">
+            <a:normAutofit/>
+          </a:bodyPr>
+          <a:lstStyle>
+            <a:lvl1pPr marL="228600" indent="-228600" algn="l" defTabSz="914400" rtl="0" eaLnBrk="1" latinLnBrk="0" hangingPunct="1">
+              <a:lnSpc>
+                <a:spcPct val="90000"/>
+              </a:lnSpc>
+              <a:spcBef>
+                <a:spcPts val="1000"/>
+              </a:spcBef>
+              <a:buFont typeface="Arial" panose="020B0604020202020204" pitchFamily="34" charset="0"/>
+              <a:buChar char="•"/>
+              <a:defRPr sz="2800" kern="1200">
+                <a:solidFill>
+                  <a:schemeClr val="tx1"/>
+                </a:solidFill>
+                <a:latin typeface="Helvetica" panose="020B0504020202030204" pitchFamily="34" charset="0"/>
+                <a:ea typeface="+mn-ea"/>
+                <a:cs typeface="+mn-cs"/>
+              </a:defRPr>
+            </a:lvl1pPr>
+            <a:lvl2pPr marL="685800" indent="-228600" algn="l" defTabSz="914400" rtl="0" eaLnBrk="1" latinLnBrk="0" hangingPunct="1">
+              <a:lnSpc>
+                <a:spcPct val="90000"/>
+              </a:lnSpc>
+              <a:spcBef>
+                <a:spcPts val="500"/>
+              </a:spcBef>
+              <a:buFont typeface="Arial" panose="020B0604020202020204" pitchFamily="34" charset="0"/>
+              <a:buChar char="•"/>
+              <a:defRPr sz="2400" kern="1200">
+                <a:solidFill>
+                  <a:schemeClr val="tx1"/>
+                </a:solidFill>
+                <a:latin typeface="Helvetica" panose="020B0504020202030204" pitchFamily="34" charset="0"/>
+                <a:ea typeface="+mn-ea"/>
+                <a:cs typeface="+mn-cs"/>
+              </a:defRPr>
+            </a:lvl2pPr>
+            <a:lvl3pPr marL="1143000" indent="-228600" algn="l" defTabSz="914400" rtl="0" eaLnBrk="1" latinLnBrk="0" hangingPunct="1">
+              <a:lnSpc>
+                <a:spcPct val="90000"/>
+              </a:lnSpc>
+              <a:spcBef>
+                <a:spcPts val="500"/>
+              </a:spcBef>
+              <a:buFont typeface="Arial" panose="020B0604020202020204" pitchFamily="34" charset="0"/>
+              <a:buChar char="•"/>
+              <a:defRPr sz="2000" kern="1200">
+                <a:solidFill>
+                  <a:schemeClr val="tx1"/>
+                </a:solidFill>
+                <a:latin typeface="Helvetica" panose="020B0504020202030204" pitchFamily="34" charset="0"/>
+                <a:ea typeface="+mn-ea"/>
+                <a:cs typeface="+mn-cs"/>
+              </a:defRPr>
+            </a:lvl3pPr>
+            <a:lvl4pPr marL="1600200" indent="-228600" algn="l" defTabSz="914400" rtl="0" eaLnBrk="1" latinLnBrk="0" hangingPunct="1">
+              <a:lnSpc>
+                <a:spcPct val="90000"/>
+              </a:lnSpc>
+              <a:spcBef>
+                <a:spcPts val="500"/>
+              </a:spcBef>
+              <a:buFont typeface="Arial" panose="020B0604020202020204" pitchFamily="34" charset="0"/>
+              <a:buChar char="•"/>
+              <a:defRPr sz="1800" kern="1200">
+                <a:solidFill>
+                  <a:schemeClr val="tx1"/>
+                </a:solidFill>
+                <a:latin typeface="Helvetica" panose="020B0504020202030204" pitchFamily="34" charset="0"/>
+                <a:ea typeface="+mn-ea"/>
+                <a:cs typeface="+mn-cs"/>
+              </a:defRPr>
+            </a:lvl4pPr>
+            <a:lvl5pPr marL="2057400" indent="-228600" algn="l" defTabSz="914400" rtl="0" eaLnBrk="1" latinLnBrk="0" hangingPunct="1">
+              <a:lnSpc>
+                <a:spcPct val="90000"/>
+              </a:lnSpc>
+              <a:spcBef>
+                <a:spcPts val="500"/>
+              </a:spcBef>
+              <a:buFont typeface="Arial" panose="020B0604020202020204" pitchFamily="34" charset="0"/>
+              <a:buChar char="•"/>
+              <a:defRPr sz="1800" kern="1200">
+                <a:solidFill>
+                  <a:schemeClr val="tx1"/>
+                </a:solidFill>
+                <a:latin typeface="Helvetica" panose="020B0504020202030204" pitchFamily="34" charset="0"/>
+                <a:ea typeface="+mn-ea"/>
+                <a:cs typeface="+mn-cs"/>
+              </a:defRPr>
+            </a:lvl5pPr>
+            <a:lvl6pPr marL="2514600" indent="-228600" algn="l" defTabSz="914400" rtl="0" eaLnBrk="1" latinLnBrk="0" hangingPunct="1">
+              <a:lnSpc>
+                <a:spcPct val="90000"/>
+              </a:lnSpc>
+              <a:spcBef>
+                <a:spcPts val="500"/>
+              </a:spcBef>
+              <a:buFont typeface="Arial" panose="020B0604020202020204" pitchFamily="34" charset="0"/>
+              <a:buChar char="•"/>
+              <a:defRPr sz="1800" kern="1200">
+                <a:solidFill>
+                  <a:schemeClr val="tx1"/>
+                </a:solidFill>
+                <a:latin typeface="+mn-lt"/>
+                <a:ea typeface="+mn-ea"/>
+                <a:cs typeface="+mn-cs"/>
+              </a:defRPr>
+            </a:lvl6pPr>
+            <a:lvl7pPr marL="2971800" indent="-228600" algn="l" defTabSz="914400" rtl="0" eaLnBrk="1" latinLnBrk="0" hangingPunct="1">
+              <a:lnSpc>
+                <a:spcPct val="90000"/>
+              </a:lnSpc>
+              <a:spcBef>
+                <a:spcPts val="500"/>
+              </a:spcBef>
+              <a:buFont typeface="Arial" panose="020B0604020202020204" pitchFamily="34" charset="0"/>
+              <a:buChar char="•"/>
+              <a:defRPr sz="1800" kern="1200">
+                <a:solidFill>
+                  <a:schemeClr val="tx1"/>
+                </a:solidFill>
+                <a:latin typeface="+mn-lt"/>
+                <a:ea typeface="+mn-ea"/>
+                <a:cs typeface="+mn-cs"/>
+              </a:defRPr>
+            </a:lvl7pPr>
+            <a:lvl8pPr marL="3429000" indent="-228600" algn="l" defTabSz="914400" rtl="0" eaLnBrk="1" latinLnBrk="0" hangingPunct="1">
+              <a:lnSpc>
+                <a:spcPct val="90000"/>
+              </a:lnSpc>
+              <a:spcBef>
+                <a:spcPts val="500"/>
+              </a:spcBef>
+              <a:buFont typeface="Arial" panose="020B0604020202020204" pitchFamily="34" charset="0"/>
+              <a:buChar char="•"/>
+              <a:defRPr sz="1800" kern="1200">
+                <a:solidFill>
+                  <a:schemeClr val="tx1"/>
+                </a:solidFill>
+                <a:latin typeface="+mn-lt"/>
+                <a:ea typeface="+mn-ea"/>
+                <a:cs typeface="+mn-cs"/>
+              </a:defRPr>
+            </a:lvl8pPr>
+            <a:lvl9pPr marL="3886200" indent="-228600" algn="l" defTabSz="914400" rtl="0" eaLnBrk="1" latinLnBrk="0" hangingPunct="1">
+              <a:lnSpc>
+                <a:spcPct val="90000"/>
+              </a:lnSpc>
+              <a:spcBef>
+                <a:spcPts val="500"/>
+              </a:spcBef>
+              <a:buFont typeface="Arial" panose="020B0604020202020204" pitchFamily="34" charset="0"/>
+              <a:buChar char="•"/>
+              <a:defRPr sz="1800" kern="1200">
+                <a:solidFill>
+                  <a:schemeClr val="tx1"/>
+                </a:solidFill>
+                <a:latin typeface="+mn-lt"/>
+                <a:ea typeface="+mn-ea"/>
+                <a:cs typeface="+mn-cs"/>
+              </a:defRPr>
+            </a:lvl9pPr>
+          </a:lstStyle>
+          <a:p>
+            <a:pPr marL="0" indent="0">
+              <a:buFont typeface="Arial" panose="020B0604020202020204" pitchFamily="34" charset="0"/>
+              <a:buNone/>
+            </a:pPr>
+            <a:r>
+              <a:rPr lang="en-US" b="1" dirty="0"/>
+              <a:t>Exercise: </a:t>
+            </a:r>
+            <a:r>
+              <a:rPr lang="en-US" dirty="0"/>
+              <a:t>test these functions to extract parts of vectors and matrices.</a:t>
+            </a:r>
+            <a:endParaRPr lang="en-US" b="1" dirty="0"/>
+          </a:p>
+        </p:txBody>
+      </p:sp>
+    </p:spTree>
+    <p:extLst>
+      <p:ext uri="{BB962C8B-B14F-4D97-AF65-F5344CB8AC3E}">
+        <p14:creationId xmlns:p14="http://schemas.microsoft.com/office/powerpoint/2010/main" val="2143418961"/>
       </p:ext>
     </p:extLst>
   </p:cSld>
